--- a/Präsi-JanLucasPitLucas.pptx
+++ b/Präsi-JanLucasPitLucas.pptx
@@ -16,6 +16,7 @@
     <p:sldId id="261" r:id="rId13"/>
     <p:sldId id="262" r:id="rId14"/>
     <p:sldId id="263" r:id="rId15"/>
+    <p:sldId id="264" r:id="rId16"/>
   </p:sldIdLst>
   <p:sldSz cx="13004800" cy="9753600"/>
   <p:notesSz cx="6858000" cy="9144000"/>
@@ -3504,6 +3505,12 @@
               <a:t>Zurücksetzten des Gyros nach einer Kurve</a:t>
             </a:r>
           </a:p>
+          <a:p>
+            <a:pPr/>
+            <a:r>
+              <a:t>Fährt rückwärts um Tonnenerkennung zu erleichtern</a:t>
+            </a:r>
+          </a:p>
         </p:txBody>
       </p:sp>
     </p:spTree>
@@ -3846,6 +3853,72 @@
           </a:p>
         </p:txBody>
       </p:sp>
+    </p:spTree>
+  </p:cSld>
+  <p:clrMapOvr>
+    <a:masterClrMapping/>
+  </p:clrMapOvr>
+  <mc:AlternateContent xmlns:mc="http://schemas.openxmlformats.org/markup-compatibility/2006">
+    <mc:Choice xmlns:p14="http://schemas.microsoft.com/office/powerpoint/2010/main" Requires="p14">
+      <p:transition spd="slow" advClick="1" p14:dur="1500">
+        <p:dissolve/>
+      </p:transition>
+    </mc:Choice>
+    <mc:Fallback>
+      <p:transition spd="slow">
+        <p:fade/>
+      </p:transition>
+    </mc:Fallback>
+  </mc:AlternateContent>
+</p:sld>
+</file>
+
+<file path=ppt/slides/slide9.xml><?xml version="1.0" encoding="utf-8"?>
+<p:sld xmlns:a="http://schemas.openxmlformats.org/drawingml/2006/main" xmlns:r="http://schemas.openxmlformats.org/officeDocument/2006/relationships" xmlns:p="http://schemas.openxmlformats.org/presentationml/2006/main" showMasterSp="1" showMasterPhAnim="1">
+  <p:cSld>
+    <p:spTree>
+      <p:nvGrpSpPr>
+        <p:cNvPr id="1" name=""/>
+        <p:cNvGrpSpPr/>
+        <p:nvPr/>
+      </p:nvGrpSpPr>
+      <p:grpSpPr>
+        <a:xfrm>
+          <a:off x="0" y="0"/>
+          <a:ext cx="0" cy="0"/>
+          <a:chOff x="0" y="0"/>
+          <a:chExt cx="0" cy="0"/>
+        </a:xfrm>
+      </p:grpSpPr>
+      <p:pic>
+        <p:nvPicPr>
+          <p:cNvPr id="144" name="Foto 26.01.16, 15 11 53.jpg"/>
+          <p:cNvPicPr>
+            <a:picLocks noChangeAspect="1"/>
+          </p:cNvPicPr>
+          <p:nvPr>
+            <p:ph type="pic" idx="13"/>
+          </p:nvPr>
+        </p:nvPicPr>
+        <p:blipFill>
+          <a:blip r:embed="rId2">
+            <a:extLst/>
+          </a:blip>
+          <a:srcRect l="0" t="0" r="0" b="5816"/>
+          <a:stretch>
+            <a:fillRect/>
+          </a:stretch>
+        </p:blipFill>
+        <p:spPr>
+          <a:xfrm>
+            <a:off x="0" y="567296"/>
+            <a:ext cx="13004800" cy="9186304"/>
+          </a:xfrm>
+          <a:prstGeom prst="rect">
+            <a:avLst/>
+          </a:prstGeom>
+        </p:spPr>
+      </p:pic>
     </p:spTree>
   </p:cSld>
   <p:clrMapOvr>
